--- a/content/designs/telemetry/atlas-telemetry.pptx
+++ b/content/designs/telemetry/atlas-telemetry.pptx
@@ -8,7 +8,7 @@
     <p:notesMasterId r:id="rId3"/>
   </p:notesMasterIdLst>
   <p:sldIdLst>
-    <p:sldId id="256" r:id="rId2"/>
+    <p:sldId id="257" r:id="rId2"/>
   </p:sldIdLst>
   <p:sldSz cx="13004800" cy="9753600"/>
   <p:notesSz cx="6858000" cy="9144000"/>
@@ -2128,7 +2128,7 @@
           </a:ln>
           <a:extLst>
             <a:ext uri="{C572A759-6A51-4108-AA02-DFA0A04FC94B}">
-              <ma14:wrappingTextBoxFlag xmlns:ma14="http://schemas.microsoft.com/office/mac/drawingml/2011/main" xmlns="" val="1"/>
+              <ma14:wrappingTextBoxFlag xmlns="" xmlns:ma14="http://schemas.microsoft.com/office/mac/drawingml/2011/main" val="1"/>
             </a:ext>
           </a:extLst>
         </p:spPr>
@@ -2167,7 +2167,7 @@
           </a:ln>
           <a:extLst>
             <a:ext uri="{C572A759-6A51-4108-AA02-DFA0A04FC94B}">
-              <ma14:wrappingTextBoxFlag xmlns:ma14="http://schemas.microsoft.com/office/mac/drawingml/2011/main" xmlns="" val="1"/>
+              <ma14:wrappingTextBoxFlag xmlns="" xmlns:ma14="http://schemas.microsoft.com/office/mac/drawingml/2011/main" val="1"/>
             </a:ext>
           </a:extLst>
         </p:spPr>
@@ -3147,97 +3147,6 @@
           </a:p>
         </p:txBody>
       </p:sp>
-      <p:pic>
-        <p:nvPicPr>
-          <p:cNvPr id="121" name="Internet-Of-Things_AWSIoT_thinggeneric.pdf"/>
-          <p:cNvPicPr>
-            <a:picLocks noChangeAspect="1"/>
-          </p:cNvPicPr>
-          <p:nvPr/>
-        </p:nvPicPr>
-        <p:blipFill>
-          <a:blip r:embed="rId2">
-            <a:extLst/>
-          </a:blip>
-          <a:stretch>
-            <a:fillRect/>
-          </a:stretch>
-        </p:blipFill>
-        <p:spPr>
-          <a:xfrm>
-            <a:off x="770190" y="591363"/>
-            <a:ext cx="1544396" cy="1544396"/>
-          </a:xfrm>
-          <a:prstGeom prst="rect">
-            <a:avLst/>
-          </a:prstGeom>
-          <a:ln w="12700">
-            <a:miter lim="400000"/>
-          </a:ln>
-        </p:spPr>
-      </p:pic>
-      <p:pic>
-        <p:nvPicPr>
-          <p:cNvPr id="122" name="Internet-Of-Things_AWSIoT_sensor.pdf"/>
-          <p:cNvPicPr>
-            <a:picLocks noChangeAspect="1"/>
-          </p:cNvPicPr>
-          <p:nvPr/>
-        </p:nvPicPr>
-        <p:blipFill>
-          <a:blip r:embed="rId3">
-            <a:extLst/>
-          </a:blip>
-          <a:srcRect t="54371"/>
-          <a:stretch>
-            <a:fillRect/>
-          </a:stretch>
-        </p:blipFill>
-        <p:spPr>
-          <a:xfrm>
-            <a:off x="785633" y="2280183"/>
-            <a:ext cx="1544397" cy="704692"/>
-          </a:xfrm>
-          <a:prstGeom prst="rect">
-            <a:avLst/>
-          </a:prstGeom>
-          <a:ln w="12700">
-            <a:miter lim="400000"/>
-          </a:ln>
-        </p:spPr>
-      </p:pic>
-      <p:sp>
-        <p:nvSpPr>
-          <p:cNvPr id="123" name="Shape 123"/>
-          <p:cNvSpPr/>
-          <p:nvPr/>
-        </p:nvSpPr>
-        <p:spPr>
-          <a:xfrm flipV="1">
-            <a:off x="1542387" y="1798525"/>
-            <a:ext cx="1" cy="772198"/>
-          </a:xfrm>
-          <a:prstGeom prst="line">
-            <a:avLst/>
-          </a:prstGeom>
-          <a:ln w="50800">
-            <a:solidFill>
-              <a:srgbClr val="3569A3"/>
-            </a:solidFill>
-            <a:miter lim="400000"/>
-          </a:ln>
-        </p:spPr>
-        <p:txBody>
-          <a:bodyPr lIns="50800" tIns="50800" rIns="50800" bIns="50800" anchor="ctr"/>
-          <a:lstStyle/>
-          <a:p>
-            <a:pPr>
-              <a:defRPr sz="2400"/>
-            </a:pPr>
-            <a:endParaRPr/>
-          </a:p>
-        </p:txBody>
-      </p:sp>
       <p:sp>
         <p:nvSpPr>
           <p:cNvPr id="124" name="Shape 124"/>
@@ -3328,35 +3237,6 @@
           </a:p>
         </p:txBody>
       </p:sp>
-      <p:pic>
-        <p:nvPicPr>
-          <p:cNvPr id="126" name="Internet-Of-Things_AWSIoT_topic.pdf"/>
-          <p:cNvPicPr>
-            <a:picLocks noChangeAspect="1"/>
-          </p:cNvPicPr>
-          <p:nvPr/>
-        </p:nvPicPr>
-        <p:blipFill>
-          <a:blip r:embed="rId4">
-            <a:extLst/>
-          </a:blip>
-          <a:stretch>
-            <a:fillRect/>
-          </a:stretch>
-        </p:blipFill>
-        <p:spPr>
-          <a:xfrm>
-            <a:off x="5437520" y="591363"/>
-            <a:ext cx="1544396" cy="1544396"/>
-          </a:xfrm>
-          <a:prstGeom prst="rect">
-            <a:avLst/>
-          </a:prstGeom>
-          <a:ln w="12700">
-            <a:miter lim="400000"/>
-          </a:ln>
-        </p:spPr>
-      </p:pic>
       <p:sp>
         <p:nvSpPr>
           <p:cNvPr id="127" name="Shape 127"/>
@@ -3462,9 +3342,13 @@
             <a:avLst/>
           </a:prstGeom>
           <a:solidFill>
-            <a:srgbClr val="3569A3"/>
+            <a:schemeClr val="tx1">
+              <a:lumMod val="75000"/>
+              <a:lumOff val="25000"/>
+            </a:schemeClr>
           </a:solidFill>
           <a:ln w="12700">
+            <a:noFill/>
             <a:miter lim="400000"/>
           </a:ln>
         </p:spPr>
@@ -3594,6 +3478,12 @@
             <a:chOff x="0" y="0"/>
             <a:chExt cx="382032" cy="253090"/>
           </a:xfrm>
+          <a:solidFill>
+            <a:schemeClr val="tx1">
+              <a:lumMod val="75000"/>
+              <a:lumOff val="25000"/>
+            </a:schemeClr>
+          </a:solidFill>
         </p:grpSpPr>
         <p:sp>
           <p:nvSpPr>
@@ -3609,9 +3499,7 @@
             <a:prstGeom prst="rect">
               <a:avLst/>
             </a:prstGeom>
-            <a:solidFill>
-              <a:srgbClr val="3569A3"/>
-            </a:solidFill>
+            <a:grpFill/>
             <a:ln w="12700" cap="flat">
               <a:noFill/>
               <a:miter lim="400000"/>
@@ -3649,7 +3537,7 @@
             <a:prstGeom prst="line">
               <a:avLst/>
             </a:prstGeom>
-            <a:noFill/>
+            <a:grpFill/>
             <a:ln w="12700" cap="flat">
               <a:solidFill>
                 <a:srgbClr val="FFFFFF"/>
@@ -3686,7 +3574,7 @@
             <a:prstGeom prst="line">
               <a:avLst/>
             </a:prstGeom>
-            <a:noFill/>
+            <a:grpFill/>
             <a:ln w="12700" cap="flat">
               <a:solidFill>
                 <a:srgbClr val="FFFFFF"/>
@@ -3783,18 +3671,24 @@
             <a:prstGeom prst="ellipse">
               <a:avLst/>
             </a:prstGeom>
-            <a:solidFill>
-              <a:srgbClr val="E77D3A"/>
-            </a:solidFill>
-            <a:ln w="12700" cap="flat">
-              <a:solidFill>
-                <a:srgbClr val="C3682E"/>
-              </a:solidFill>
-              <a:prstDash val="solid"/>
-              <a:miter lim="400000"/>
-            </a:ln>
-            <a:effectLst/>
+            <a:ln/>
           </p:spPr>
+          <p:style>
+            <a:lnRef idx="2">
+              <a:schemeClr val="accent1">
+                <a:shade val="50000"/>
+              </a:schemeClr>
+            </a:lnRef>
+            <a:fillRef idx="1">
+              <a:schemeClr val="accent1"/>
+            </a:fillRef>
+            <a:effectRef idx="0">
+              <a:schemeClr val="accent1"/>
+            </a:effectRef>
+            <a:fontRef idx="minor">
+              <a:schemeClr val="lt1"/>
+            </a:fontRef>
+          </p:style>
           <p:txBody>
             <a:bodyPr wrap="square" lIns="50800" tIns="50800" rIns="50800" bIns="50800" numCol="1" anchor="ctr">
               <a:noAutofit/>
@@ -3895,18 +3789,24 @@
             <a:prstGeom prst="ellipse">
               <a:avLst/>
             </a:prstGeom>
-            <a:solidFill>
-              <a:srgbClr val="E77D3A"/>
-            </a:solidFill>
-            <a:ln w="12700" cap="flat">
-              <a:solidFill>
-                <a:srgbClr val="C3682E"/>
-              </a:solidFill>
-              <a:prstDash val="solid"/>
-              <a:miter lim="400000"/>
-            </a:ln>
-            <a:effectLst/>
+            <a:ln/>
           </p:spPr>
+          <p:style>
+            <a:lnRef idx="2">
+              <a:schemeClr val="accent1">
+                <a:shade val="50000"/>
+              </a:schemeClr>
+            </a:lnRef>
+            <a:fillRef idx="1">
+              <a:schemeClr val="accent1"/>
+            </a:fillRef>
+            <a:effectRef idx="0">
+              <a:schemeClr val="accent1"/>
+            </a:effectRef>
+            <a:fontRef idx="minor">
+              <a:schemeClr val="lt1"/>
+            </a:fontRef>
+          </p:style>
           <p:txBody>
             <a:bodyPr wrap="square" lIns="50800" tIns="50800" rIns="50800" bIns="50800" numCol="1" anchor="ctr">
               <a:noAutofit/>
@@ -3993,16 +3893,24 @@
           <a:prstGeom prst="ellipse">
             <a:avLst/>
           </a:prstGeom>
-          <a:solidFill>
-            <a:srgbClr val="E77D3A"/>
-          </a:solidFill>
-          <a:ln w="12700">
-            <a:solidFill>
-              <a:srgbClr val="C3682E"/>
-            </a:solidFill>
-            <a:miter lim="400000"/>
-          </a:ln>
+          <a:ln/>
         </p:spPr>
+        <p:style>
+          <a:lnRef idx="2">
+            <a:schemeClr val="accent1">
+              <a:shade val="50000"/>
+            </a:schemeClr>
+          </a:lnRef>
+          <a:fillRef idx="1">
+            <a:schemeClr val="accent1"/>
+          </a:fillRef>
+          <a:effectRef idx="0">
+            <a:schemeClr val="accent1"/>
+          </a:effectRef>
+          <a:fontRef idx="minor">
+            <a:schemeClr val="lt1"/>
+          </a:fontRef>
+        </p:style>
         <p:txBody>
           <a:bodyPr lIns="50800" tIns="50800" rIns="50800" bIns="50800" anchor="ctr"/>
           <a:lstStyle/>
@@ -4111,7 +4019,166 @@
           </a:p>
         </p:txBody>
       </p:sp>
+      <p:pic>
+        <p:nvPicPr>
+          <p:cNvPr id="29" name="Graphic 28">
+            <a:extLst>
+              <a:ext uri="{FF2B5EF4-FFF2-40B4-BE49-F238E27FC236}">
+                <a16:creationId xmlns:a16="http://schemas.microsoft.com/office/drawing/2014/main" id="{923CB61D-3900-8747-9239-18E83E37EEDE}"/>
+              </a:ext>
+            </a:extLst>
+          </p:cNvPr>
+          <p:cNvPicPr>
+            <a:picLocks noChangeAspect="1"/>
+          </p:cNvPicPr>
+          <p:nvPr/>
+        </p:nvPicPr>
+        <p:blipFill>
+          <a:blip r:embed="rId2">
+            <a:extLst>
+              <a:ext uri="{96DAC541-7B7A-43D3-8B79-37D633B846F1}">
+                <asvg:svgBlip xmlns:asvg="http://schemas.microsoft.com/office/drawing/2016/SVG/main" r:embed="rId3"/>
+              </a:ext>
+            </a:extLst>
+          </a:blip>
+          <a:stretch>
+            <a:fillRect/>
+          </a:stretch>
+        </p:blipFill>
+        <p:spPr>
+          <a:xfrm>
+            <a:off x="1043310" y="860641"/>
+            <a:ext cx="1005840" cy="1005840"/>
+          </a:xfrm>
+          <a:prstGeom prst="rect">
+            <a:avLst/>
+          </a:prstGeom>
+        </p:spPr>
+      </p:pic>
+      <p:pic>
+        <p:nvPicPr>
+          <p:cNvPr id="30" name="Graphic 29">
+            <a:extLst>
+              <a:ext uri="{FF2B5EF4-FFF2-40B4-BE49-F238E27FC236}">
+                <a16:creationId xmlns:a16="http://schemas.microsoft.com/office/drawing/2014/main" id="{491C9A8A-06D9-6943-807A-C53CAD0BC589}"/>
+              </a:ext>
+            </a:extLst>
+          </p:cNvPr>
+          <p:cNvPicPr>
+            <a:picLocks noChangeAspect="1"/>
+          </p:cNvPicPr>
+          <p:nvPr/>
+        </p:nvPicPr>
+        <p:blipFill rotWithShape="1">
+          <a:blip r:embed="rId4">
+            <a:extLst>
+              <a:ext uri="{96DAC541-7B7A-43D3-8B79-37D633B846F1}">
+                <asvg:svgBlip xmlns:asvg="http://schemas.microsoft.com/office/drawing/2016/SVG/main" r:embed="rId5"/>
+              </a:ext>
+            </a:extLst>
+          </a:blip>
+          <a:srcRect t="69927"/>
+          <a:stretch/>
+        </p:blipFill>
+        <p:spPr>
+          <a:xfrm>
+            <a:off x="938115" y="2456252"/>
+            <a:ext cx="1216231" cy="365760"/>
+          </a:xfrm>
+          <a:prstGeom prst="rect">
+            <a:avLst/>
+          </a:prstGeom>
+        </p:spPr>
+      </p:pic>
+      <p:cxnSp>
+        <p:nvCxnSpPr>
+          <p:cNvPr id="3" name="Straight Connector 2">
+            <a:extLst>
+              <a:ext uri="{FF2B5EF4-FFF2-40B4-BE49-F238E27FC236}">
+                <a16:creationId xmlns:a16="http://schemas.microsoft.com/office/drawing/2014/main" id="{5AED6F37-8DC3-A34D-BCB2-E03645FE1F56}"/>
+              </a:ext>
+            </a:extLst>
+          </p:cNvPr>
+          <p:cNvCxnSpPr>
+            <a:stCxn id="29" idx="2"/>
+            <a:endCxn id="30" idx="0"/>
+          </p:cNvCxnSpPr>
+          <p:nvPr/>
+        </p:nvCxnSpPr>
+        <p:spPr>
+          <a:xfrm>
+            <a:off x="1546230" y="1866481"/>
+            <a:ext cx="1" cy="589771"/>
+          </a:xfrm>
+          <a:prstGeom prst="line">
+            <a:avLst/>
+          </a:prstGeom>
+          <a:noFill/>
+          <a:ln w="38100" cap="flat">
+            <a:solidFill>
+              <a:srgbClr val="000000"/>
+            </a:solidFill>
+            <a:prstDash val="solid"/>
+            <a:miter lim="400000"/>
+          </a:ln>
+          <a:effectLst/>
+          <a:sp3d/>
+        </p:spPr>
+        <p:style>
+          <a:lnRef idx="0">
+            <a:scrgbClr r="0" g="0" b="0"/>
+          </a:lnRef>
+          <a:fillRef idx="0">
+            <a:scrgbClr r="0" g="0" b="0"/>
+          </a:fillRef>
+          <a:effectRef idx="0">
+            <a:scrgbClr r="0" g="0" b="0"/>
+          </a:effectRef>
+          <a:fontRef idx="none"/>
+        </p:style>
+      </p:cxnSp>
+      <p:pic>
+        <p:nvPicPr>
+          <p:cNvPr id="33" name="Graphic 32">
+            <a:extLst>
+              <a:ext uri="{FF2B5EF4-FFF2-40B4-BE49-F238E27FC236}">
+                <a16:creationId xmlns:a16="http://schemas.microsoft.com/office/drawing/2014/main" id="{384AC94A-F352-A94A-BE7B-72D4473AB860}"/>
+              </a:ext>
+            </a:extLst>
+          </p:cNvPr>
+          <p:cNvPicPr>
+            <a:picLocks noChangeAspect="1"/>
+          </p:cNvPicPr>
+          <p:nvPr/>
+        </p:nvPicPr>
+        <p:blipFill>
+          <a:blip r:embed="rId6">
+            <a:extLst>
+              <a:ext uri="{96DAC541-7B7A-43D3-8B79-37D633B846F1}">
+                <asvg:svgBlip xmlns:asvg="http://schemas.microsoft.com/office/drawing/2016/SVG/main" r:embed="rId7"/>
+              </a:ext>
+            </a:extLst>
+          </a:blip>
+          <a:stretch>
+            <a:fillRect/>
+          </a:stretch>
+        </p:blipFill>
+        <p:spPr>
+          <a:xfrm>
+            <a:off x="5752517" y="906891"/>
+            <a:ext cx="914400" cy="914400"/>
+          </a:xfrm>
+          <a:prstGeom prst="rect">
+            <a:avLst/>
+          </a:prstGeom>
+        </p:spPr>
+      </p:pic>
     </p:spTree>
+    <p:extLst>
+      <p:ext uri="{BB962C8B-B14F-4D97-AF65-F5344CB8AC3E}">
+        <p14:creationId xmlns:p14="http://schemas.microsoft.com/office/powerpoint/2010/main" val="3258324845"/>
+      </p:ext>
+    </p:extLst>
   </p:cSld>
   <p:clrMapOvr>
     <a:masterClrMapping/>

--- a/content/designs/telemetry/atlas-telemetry.pptx
+++ b/content/designs/telemetry/atlas-telemetry.pptx
@@ -8,7 +8,7 @@
     <p:notesMasterId r:id="rId3"/>
   </p:notesMasterIdLst>
   <p:sldIdLst>
-    <p:sldId id="257" r:id="rId2"/>
+    <p:sldId id="256" r:id="rId2"/>
   </p:sldIdLst>
   <p:sldSz cx="13004800" cy="9753600"/>
   <p:notesSz cx="6858000" cy="9144000"/>
@@ -3166,7 +3166,7 @@
           </a:ln>
           <a:extLst>
             <a:ext uri="{C572A759-6A51-4108-AA02-DFA0A04FC94B}">
-              <ma14:wrappingTextBoxFlag xmlns:ma14="http://schemas.microsoft.com/office/mac/drawingml/2011/main" xmlns="" val="1"/>
+              <ma14:wrappingTextBoxFlag xmlns="" xmlns:ma14="http://schemas.microsoft.com/office/mac/drawingml/2011/main" val="1"/>
             </a:ext>
           </a:extLst>
         </p:spPr>
@@ -3211,7 +3211,7 @@
           </a:ln>
           <a:extLst>
             <a:ext uri="{C572A759-6A51-4108-AA02-DFA0A04FC94B}">
-              <ma14:wrappingTextBoxFlag xmlns:ma14="http://schemas.microsoft.com/office/mac/drawingml/2011/main" xmlns="" val="1"/>
+              <ma14:wrappingTextBoxFlag xmlns="" xmlns:ma14="http://schemas.microsoft.com/office/mac/drawingml/2011/main" val="1"/>
             </a:ext>
           </a:extLst>
         </p:spPr>
@@ -3256,7 +3256,7 @@
           </a:ln>
           <a:extLst>
             <a:ext uri="{C572A759-6A51-4108-AA02-DFA0A04FC94B}">
-              <ma14:wrappingTextBoxFlag xmlns:ma14="http://schemas.microsoft.com/office/mac/drawingml/2011/main" xmlns="" val="1"/>
+              <ma14:wrappingTextBoxFlag xmlns="" xmlns:ma14="http://schemas.microsoft.com/office/mac/drawingml/2011/main" val="1"/>
             </a:ext>
           </a:extLst>
         </p:spPr>
@@ -3301,7 +3301,7 @@
           </a:ln>
           <a:extLst>
             <a:ext uri="{C572A759-6A51-4108-AA02-DFA0A04FC94B}">
-              <ma14:wrappingTextBoxFlag xmlns:ma14="http://schemas.microsoft.com/office/mac/drawingml/2011/main" xmlns="" val="1"/>
+              <ma14:wrappingTextBoxFlag xmlns="" xmlns:ma14="http://schemas.microsoft.com/office/mac/drawingml/2011/main" val="1"/>
             </a:ext>
           </a:extLst>
         </p:spPr>
@@ -3386,7 +3386,7 @@
           </a:ln>
           <a:extLst>
             <a:ext uri="{C572A759-6A51-4108-AA02-DFA0A04FC94B}">
-              <ma14:wrappingTextBoxFlag xmlns:ma14="http://schemas.microsoft.com/office/mac/drawingml/2011/main" xmlns="" val="1"/>
+              <ma14:wrappingTextBoxFlag xmlns="" xmlns:ma14="http://schemas.microsoft.com/office/mac/drawingml/2011/main" val="1"/>
             </a:ext>
           </a:extLst>
         </p:spPr>
@@ -3440,7 +3440,7 @@
           </a:ln>
           <a:extLst>
             <a:ext uri="{C572A759-6A51-4108-AA02-DFA0A04FC94B}">
-              <ma14:wrappingTextBoxFlag xmlns:ma14="http://schemas.microsoft.com/office/mac/drawingml/2011/main" xmlns="" val="1"/>
+              <ma14:wrappingTextBoxFlag xmlns="" xmlns:ma14="http://schemas.microsoft.com/office/mac/drawingml/2011/main" val="1"/>
             </a:ext>
           </a:extLst>
         </p:spPr>
@@ -3617,7 +3617,7 @@
           </a:ln>
           <a:extLst>
             <a:ext uri="{C572A759-6A51-4108-AA02-DFA0A04FC94B}">
-              <ma14:wrappingTextBoxFlag xmlns:ma14="http://schemas.microsoft.com/office/mac/drawingml/2011/main" xmlns="" val="1"/>
+              <ma14:wrappingTextBoxFlag xmlns="" xmlns:ma14="http://schemas.microsoft.com/office/mac/drawingml/2011/main" val="1"/>
             </a:ext>
           </a:extLst>
         </p:spPr>
@@ -3638,6 +3638,7 @@
           </a:lstStyle>
           <a:p>
             <a:r>
+              <a:rPr dirty="0"/>
               <a:t>Message</a:t>
             </a:r>
           </a:p>
@@ -3732,7 +3733,7 @@
             <a:effectLst/>
             <a:extLst>
               <a:ext uri="{C572A759-6A51-4108-AA02-DFA0A04FC94B}">
-                <ma14:wrappingTextBoxFlag xmlns:ma14="http://schemas.microsoft.com/office/mac/drawingml/2011/main" xmlns="" val="1"/>
+                <ma14:wrappingTextBoxFlag xmlns="" xmlns:ma14="http://schemas.microsoft.com/office/mac/drawingml/2011/main" val="1"/>
               </a:ext>
             </a:extLst>
           </p:spPr>
@@ -3850,7 +3851,7 @@
             <a:effectLst/>
             <a:extLst>
               <a:ext uri="{C572A759-6A51-4108-AA02-DFA0A04FC94B}">
-                <ma14:wrappingTextBoxFlag xmlns:ma14="http://schemas.microsoft.com/office/mac/drawingml/2011/main" xmlns="" val="1"/>
+                <ma14:wrappingTextBoxFlag xmlns="" xmlns:ma14="http://schemas.microsoft.com/office/mac/drawingml/2011/main" val="1"/>
               </a:ext>
             </a:extLst>
           </p:spPr>
@@ -3879,67 +3880,134 @@
           </p:txBody>
         </p:sp>
       </p:grpSp>
+      <p:grpSp>
+        <p:nvGrpSpPr>
+          <p:cNvPr id="2" name="Group 1">
+            <a:extLst>
+              <a:ext uri="{FF2B5EF4-FFF2-40B4-BE49-F238E27FC236}">
+                <a16:creationId xmlns:a16="http://schemas.microsoft.com/office/drawing/2014/main" id="{8DA6BD79-1CC4-784C-B1B8-3F951BEB8E58}"/>
+              </a:ext>
+            </a:extLst>
+          </p:cNvPr>
+          <p:cNvGrpSpPr/>
+          <p:nvPr/>
+        </p:nvGrpSpPr>
+        <p:grpSpPr>
+          <a:xfrm>
+            <a:off x="5242522" y="1170511"/>
+            <a:ext cx="344594" cy="386100"/>
+            <a:chOff x="5242522" y="1170511"/>
+            <a:chExt cx="344594" cy="386100"/>
+          </a:xfrm>
+        </p:grpSpPr>
+        <p:sp>
+          <p:nvSpPr>
+            <p:cNvPr id="143" name="Shape 143"/>
+            <p:cNvSpPr/>
+            <p:nvPr/>
+          </p:nvSpPr>
+          <p:spPr>
+            <a:xfrm>
+              <a:off x="5242522" y="1191264"/>
+              <a:ext cx="344594" cy="344594"/>
+            </a:xfrm>
+            <a:prstGeom prst="ellipse">
+              <a:avLst/>
+            </a:prstGeom>
+            <a:ln/>
+          </p:spPr>
+          <p:style>
+            <a:lnRef idx="2">
+              <a:schemeClr val="accent1">
+                <a:shade val="50000"/>
+              </a:schemeClr>
+            </a:lnRef>
+            <a:fillRef idx="1">
+              <a:schemeClr val="accent1"/>
+            </a:fillRef>
+            <a:effectRef idx="0">
+              <a:schemeClr val="accent1"/>
+            </a:effectRef>
+            <a:fontRef idx="minor">
+              <a:schemeClr val="lt1"/>
+            </a:fontRef>
+          </p:style>
+          <p:txBody>
+            <a:bodyPr lIns="50800" tIns="50800" rIns="50800" bIns="50800" anchor="ctr"/>
+            <a:lstStyle/>
+            <a:p>
+              <a:pPr>
+                <a:defRPr sz="1000" b="1">
+                  <a:solidFill>
+                    <a:srgbClr val="FFFFFF"/>
+                  </a:solidFill>
+                  <a:latin typeface="Helvetica"/>
+                  <a:ea typeface="Helvetica"/>
+                  <a:cs typeface="Helvetica"/>
+                  <a:sym typeface="Helvetica"/>
+                </a:defRPr>
+              </a:pPr>
+              <a:endParaRPr/>
+            </a:p>
+          </p:txBody>
+        </p:sp>
+        <p:sp>
+          <p:nvSpPr>
+            <p:cNvPr id="144" name="Shape 144"/>
+            <p:cNvSpPr/>
+            <p:nvPr/>
+          </p:nvSpPr>
+          <p:spPr>
+            <a:xfrm>
+              <a:off x="5285196" y="1170511"/>
+              <a:ext cx="259245" cy="386100"/>
+            </a:xfrm>
+            <a:prstGeom prst="rect">
+              <a:avLst/>
+            </a:prstGeom>
+            <a:ln w="12700">
+              <a:miter lim="400000"/>
+            </a:ln>
+            <a:extLst>
+              <a:ext uri="{C572A759-6A51-4108-AA02-DFA0A04FC94B}">
+                <ma14:wrappingTextBoxFlag xmlns="" xmlns:ma14="http://schemas.microsoft.com/office/mac/drawingml/2011/main" val="1"/>
+              </a:ext>
+            </a:extLst>
+          </p:spPr>
+          <p:txBody>
+            <a:bodyPr lIns="50800" tIns="50800" rIns="50800" bIns="50800" anchor="ctr"/>
+            <a:lstStyle>
+              <a:lvl1pPr>
+                <a:defRPr sz="1500" b="1">
+                  <a:solidFill>
+                    <a:srgbClr val="FFFFFF"/>
+                  </a:solidFill>
+                  <a:latin typeface="Helvetica"/>
+                  <a:ea typeface="Helvetica"/>
+                  <a:cs typeface="Helvetica"/>
+                  <a:sym typeface="Helvetica"/>
+                </a:defRPr>
+              </a:lvl1pPr>
+            </a:lstStyle>
+            <a:p>
+              <a:r>
+                <a:rPr dirty="0"/>
+                <a:t>3</a:t>
+              </a:r>
+            </a:p>
+          </p:txBody>
+        </p:sp>
+      </p:grpSp>
       <p:sp>
         <p:nvSpPr>
-          <p:cNvPr id="143" name="Shape 143"/>
+          <p:cNvPr id="145" name="Shape 145"/>
           <p:cNvSpPr/>
           <p:nvPr/>
         </p:nvSpPr>
         <p:spPr>
           <a:xfrm>
-            <a:off x="5242522" y="1191264"/>
-            <a:ext cx="344594" cy="344594"/>
-          </a:xfrm>
-          <a:prstGeom prst="ellipse">
-            <a:avLst/>
-          </a:prstGeom>
-          <a:ln/>
-        </p:spPr>
-        <p:style>
-          <a:lnRef idx="2">
-            <a:schemeClr val="accent1">
-              <a:shade val="50000"/>
-            </a:schemeClr>
-          </a:lnRef>
-          <a:fillRef idx="1">
-            <a:schemeClr val="accent1"/>
-          </a:fillRef>
-          <a:effectRef idx="0">
-            <a:schemeClr val="accent1"/>
-          </a:effectRef>
-          <a:fontRef idx="minor">
-            <a:schemeClr val="lt1"/>
-          </a:fontRef>
-        </p:style>
-        <p:txBody>
-          <a:bodyPr lIns="50800" tIns="50800" rIns="50800" bIns="50800" anchor="ctr"/>
-          <a:lstStyle/>
-          <a:p>
-            <a:pPr>
-              <a:defRPr sz="1000" b="1">
-                <a:solidFill>
-                  <a:srgbClr val="FFFFFF"/>
-                </a:solidFill>
-                <a:latin typeface="Helvetica"/>
-                <a:ea typeface="Helvetica"/>
-                <a:cs typeface="Helvetica"/>
-                <a:sym typeface="Helvetica"/>
-              </a:defRPr>
-            </a:pPr>
-            <a:endParaRPr/>
-          </a:p>
-        </p:txBody>
-      </p:sp>
-      <p:sp>
-        <p:nvSpPr>
-          <p:cNvPr id="144" name="Shape 144"/>
-          <p:cNvSpPr/>
-          <p:nvPr/>
-        </p:nvSpPr>
-        <p:spPr>
-          <a:xfrm>
-            <a:off x="5285196" y="1170511"/>
-            <a:ext cx="259245" cy="386100"/>
+            <a:off x="4649072" y="2243972"/>
+            <a:ext cx="1776127" cy="287258"/>
           </a:xfrm>
           <a:prstGeom prst="rect">
             <a:avLst/>
@@ -3949,52 +4017,7 @@
           </a:ln>
           <a:extLst>
             <a:ext uri="{C572A759-6A51-4108-AA02-DFA0A04FC94B}">
-              <ma14:wrappingTextBoxFlag xmlns:ma14="http://schemas.microsoft.com/office/mac/drawingml/2011/main" xmlns="" val="1"/>
-            </a:ext>
-          </a:extLst>
-        </p:spPr>
-        <p:txBody>
-          <a:bodyPr lIns="50800" tIns="50800" rIns="50800" bIns="50800" anchor="ctr"/>
-          <a:lstStyle>
-            <a:lvl1pPr>
-              <a:defRPr sz="1500" b="1">
-                <a:solidFill>
-                  <a:srgbClr val="FFFFFF"/>
-                </a:solidFill>
-                <a:latin typeface="Helvetica"/>
-                <a:ea typeface="Helvetica"/>
-                <a:cs typeface="Helvetica"/>
-                <a:sym typeface="Helvetica"/>
-              </a:defRPr>
-            </a:lvl1pPr>
-          </a:lstStyle>
-          <a:p>
-            <a:r>
-              <a:t>3</a:t>
-            </a:r>
-          </a:p>
-        </p:txBody>
-      </p:sp>
-      <p:sp>
-        <p:nvSpPr>
-          <p:cNvPr id="145" name="Shape 145"/>
-          <p:cNvSpPr/>
-          <p:nvPr/>
-        </p:nvSpPr>
-        <p:spPr>
-          <a:xfrm>
-            <a:off x="4884561" y="2247900"/>
-            <a:ext cx="1765846" cy="279401"/>
-          </a:xfrm>
-          <a:prstGeom prst="rect">
-            <a:avLst/>
-          </a:prstGeom>
-          <a:ln w="12700">
-            <a:miter lim="400000"/>
-          </a:ln>
-          <a:extLst>
-            <a:ext uri="{C572A759-6A51-4108-AA02-DFA0A04FC94B}">
-              <ma14:wrappingTextBoxFlag xmlns:ma14="http://schemas.microsoft.com/office/mac/drawingml/2011/main" xmlns="" val="1"/>
+              <ma14:wrappingTextBoxFlag xmlns="" xmlns:ma14="http://schemas.microsoft.com/office/mac/drawingml/2011/main" val="1"/>
             </a:ext>
           </a:extLst>
         </p:spPr>
@@ -4014,8 +4037,22 @@
           </a:lstStyle>
           <a:p>
             <a:r>
-              <a:t>deviceID/telemetry</a:t>
+              <a:rPr lang="en-US" dirty="0"/>
+              <a:t>t</a:t>
             </a:r>
+            <a:r>
+              <a:rPr dirty="0"/>
+              <a:t>elemetry</a:t>
+            </a:r>
+            <a:r>
+              <a:rPr lang="en-US" dirty="0"/>
+              <a:t>/</a:t>
+            </a:r>
+            <a:r>
+              <a:rPr lang="en-US" dirty="0" err="1"/>
+              <a:t>deviceID</a:t>
+            </a:r>
+            <a:endParaRPr dirty="0"/>
           </a:p>
         </p:txBody>
       </p:sp>
@@ -4176,7 +4213,7 @@
     </p:spTree>
     <p:extLst>
       <p:ext uri="{BB962C8B-B14F-4D97-AF65-F5344CB8AC3E}">
-        <p14:creationId xmlns:p14="http://schemas.microsoft.com/office/powerpoint/2010/main" val="3258324845"/>
+        <p14:creationId xmlns:p14="http://schemas.microsoft.com/office/powerpoint/2010/main" val="480899627"/>
       </p:ext>
     </p:extLst>
   </p:cSld>
